--- a/Udemy/Lecture 1 - Application Design/_06_ApplicationDesign-Step4_Screen.pptx
+++ b/Udemy/Lecture 1 - Application Design/_06_ApplicationDesign-Step4_Screen.pptx
@@ -309,7 +309,7 @@
           <a:p>
             <a:fld id="{D2BDCC73-4DDF-49AB-AEE1-BCC66D6EB140}" type="datetimeFigureOut">
               <a:rPr lang="en-GB" smtClean="0"/>
-              <a:t>08/12/2018</a:t>
+              <a:t>28/07/2019</a:t>
             </a:fld>
             <a:endParaRPr lang="en-GB" dirty="0"/>
           </a:p>
@@ -519,7 +519,7 @@
           <a:p>
             <a:fld id="{D2BDCC73-4DDF-49AB-AEE1-BCC66D6EB140}" type="datetimeFigureOut">
               <a:rPr lang="en-GB" smtClean="0"/>
-              <a:t>08/12/2018</a:t>
+              <a:t>28/07/2019</a:t>
             </a:fld>
             <a:endParaRPr lang="en-GB" dirty="0"/>
           </a:p>
@@ -723,7 +723,7 @@
           <a:p>
             <a:fld id="{D2BDCC73-4DDF-49AB-AEE1-BCC66D6EB140}" type="datetimeFigureOut">
               <a:rPr lang="en-GB" smtClean="0"/>
-              <a:t>08/12/2018</a:t>
+              <a:t>28/07/2019</a:t>
             </a:fld>
             <a:endParaRPr lang="en-GB" dirty="0"/>
           </a:p>
@@ -893,7 +893,7 @@
           <a:p>
             <a:fld id="{D2BDCC73-4DDF-49AB-AEE1-BCC66D6EB140}" type="datetimeFigureOut">
               <a:rPr lang="en-GB" smtClean="0"/>
-              <a:t>08/12/2018</a:t>
+              <a:t>28/07/2019</a:t>
             </a:fld>
             <a:endParaRPr lang="en-GB" dirty="0"/>
           </a:p>
@@ -1143,7 +1143,7 @@
           <a:p>
             <a:fld id="{D2BDCC73-4DDF-49AB-AEE1-BCC66D6EB140}" type="datetimeFigureOut">
               <a:rPr lang="en-GB" smtClean="0"/>
-              <a:t>08/12/2018</a:t>
+              <a:t>28/07/2019</a:t>
             </a:fld>
             <a:endParaRPr lang="en-GB" dirty="0"/>
           </a:p>
@@ -1375,7 +1375,7 @@
           <a:p>
             <a:fld id="{D2BDCC73-4DDF-49AB-AEE1-BCC66D6EB140}" type="datetimeFigureOut">
               <a:rPr lang="en-GB" smtClean="0"/>
-              <a:t>08/12/2018</a:t>
+              <a:t>28/07/2019</a:t>
             </a:fld>
             <a:endParaRPr lang="en-GB" dirty="0"/>
           </a:p>
@@ -1744,7 +1744,7 @@
           <a:p>
             <a:fld id="{D2BDCC73-4DDF-49AB-AEE1-BCC66D6EB140}" type="datetimeFigureOut">
               <a:rPr lang="en-GB" smtClean="0"/>
-              <a:t>08/12/2018</a:t>
+              <a:t>28/07/2019</a:t>
             </a:fld>
             <a:endParaRPr lang="en-GB" dirty="0"/>
           </a:p>
@@ -1862,7 +1862,7 @@
           <a:p>
             <a:fld id="{D2BDCC73-4DDF-49AB-AEE1-BCC66D6EB140}" type="datetimeFigureOut">
               <a:rPr lang="en-GB" smtClean="0"/>
-              <a:t>08/12/2018</a:t>
+              <a:t>28/07/2019</a:t>
             </a:fld>
             <a:endParaRPr lang="en-GB" dirty="0"/>
           </a:p>
@@ -1957,7 +1957,7 @@
           <a:p>
             <a:fld id="{D2BDCC73-4DDF-49AB-AEE1-BCC66D6EB140}" type="datetimeFigureOut">
               <a:rPr lang="en-GB" smtClean="0"/>
-              <a:t>08/12/2018</a:t>
+              <a:t>28/07/2019</a:t>
             </a:fld>
             <a:endParaRPr lang="en-GB" dirty="0"/>
           </a:p>
@@ -2238,7 +2238,7 @@
           <a:p>
             <a:fld id="{D2BDCC73-4DDF-49AB-AEE1-BCC66D6EB140}" type="datetimeFigureOut">
               <a:rPr lang="en-GB" smtClean="0"/>
-              <a:t>08/12/2018</a:t>
+              <a:t>28/07/2019</a:t>
             </a:fld>
             <a:endParaRPr lang="en-GB" dirty="0"/>
           </a:p>
@@ -2493,7 +2493,7 @@
           <a:p>
             <a:fld id="{D2BDCC73-4DDF-49AB-AEE1-BCC66D6EB140}" type="datetimeFigureOut">
               <a:rPr lang="en-GB" smtClean="0"/>
-              <a:t>08/12/2018</a:t>
+              <a:t>28/07/2019</a:t>
             </a:fld>
             <a:endParaRPr lang="en-GB" dirty="0"/>
           </a:p>
@@ -2752,7 +2752,7 @@
           <a:p>
             <a:fld id="{D2BDCC73-4DDF-49AB-AEE1-BCC66D6EB140}" type="datetimeFigureOut">
               <a:rPr lang="en-GB" smtClean="0"/>
-              <a:t>08/12/2018</a:t>
+              <a:t>28/07/2019</a:t>
             </a:fld>
             <a:endParaRPr lang="en-GB" dirty="0"/>
           </a:p>
@@ -2931,8 +2931,10 @@
         <a:spcBef>
           <a:spcPts val="500"/>
         </a:spcBef>
-        <a:buFont typeface="Wingdings" panose="05000000000000000000" pitchFamily="2" charset="2"/>
-        <a:buChar char="§"/>
+        <a:buFontTx/>
+        <a:buBlip>
+          <a:blip r:embed="rId13"/>
+        </a:buBlip>
         <a:defRPr sz="2000" kern="1200">
           <a:solidFill>
             <a:schemeClr val="tx1">
@@ -2952,8 +2954,10 @@
         <a:spcBef>
           <a:spcPts val="500"/>
         </a:spcBef>
-        <a:buFont typeface="Wingdings" panose="05000000000000000000" pitchFamily="2" charset="2"/>
-        <a:buChar char="§"/>
+        <a:buFontTx/>
+        <a:buBlip>
+          <a:blip r:embed="rId13"/>
+        </a:buBlip>
         <a:defRPr sz="1800" kern="1200">
           <a:solidFill>
             <a:schemeClr val="tx1">
@@ -2973,8 +2977,10 @@
         <a:spcBef>
           <a:spcPts val="500"/>
         </a:spcBef>
-        <a:buFont typeface="Wingdings" panose="05000000000000000000" pitchFamily="2" charset="2"/>
-        <a:buChar char="§"/>
+        <a:buFontTx/>
+        <a:buBlip>
+          <a:blip r:embed="rId13"/>
+        </a:buBlip>
         <a:defRPr sz="1800" kern="1200">
           <a:solidFill>
             <a:schemeClr val="tx1">
@@ -3698,7 +3704,7 @@
             <a:r>
               <a:rPr lang="en-US" dirty="0">
                 <a:solidFill>
-                  <a:srgbClr val="CACF0B"/>
+                  <a:schemeClr val="accent2"/>
                 </a:solidFill>
                 <a:latin typeface="+mn-lt"/>
               </a:rPr>
@@ -3706,11 +3712,9 @@
             </a:r>
             <a:endParaRPr lang="en-US" kern="1200" dirty="0">
               <a:solidFill>
-                <a:srgbClr val="CACF0B"/>
+                <a:schemeClr val="accent2"/>
               </a:solidFill>
               <a:latin typeface="+mn-lt"/>
-              <a:ea typeface="+mn-ea"/>
-              <a:cs typeface="+mn-cs"/>
             </a:endParaRPr>
           </a:p>
         </p:txBody>
@@ -4311,16 +4315,12 @@
           <a:lstStyle/>
           <a:p>
             <a:r>
-              <a:rPr lang="en-US" sz="4400" kern="1200" dirty="0"/>
-              <a:t>Step 4 </a:t>
-            </a:r>
-            <a:r>
               <a:rPr lang="en-US" sz="4400" kern="1200" dirty="0">
                 <a:solidFill>
-                  <a:schemeClr val="tx1"/>
+                  <a:schemeClr val="accent2"/>
                 </a:solidFill>
               </a:rPr>
-              <a:t> </a:t>
+              <a:t>Step 4  </a:t>
             </a:r>
             <a:r>
               <a:rPr lang="en-GB" sz="4400" dirty="0">
@@ -5308,16 +5308,12 @@
           <a:lstStyle/>
           <a:p>
             <a:r>
-              <a:rPr lang="en-US" sz="4400" kern="1200" dirty="0"/>
-              <a:t>Step 4 </a:t>
-            </a:r>
-            <a:r>
               <a:rPr lang="en-US" sz="4400" kern="1200" dirty="0">
                 <a:solidFill>
-                  <a:schemeClr val="tx1"/>
+                  <a:schemeClr val="accent2"/>
                 </a:solidFill>
               </a:rPr>
-              <a:t> </a:t>
+              <a:t>Step 4  </a:t>
             </a:r>
             <a:r>
               <a:rPr lang="en-GB" sz="4400" dirty="0">
@@ -6035,14 +6031,12 @@
             <a:ext cx="3698803" cy="1366528"/>
           </a:xfrm>
           <a:solidFill>
-            <a:schemeClr val="bg1">
+            <a:schemeClr val="tx1">
               <a:alpha val="50000"/>
             </a:schemeClr>
           </a:solidFill>
           <a:ln w="25400" cap="sq">
-            <a:solidFill>
-              <a:schemeClr val="tx1"/>
-            </a:solidFill>
+            <a:noFill/>
             <a:miter lim="800000"/>
           </a:ln>
         </p:spPr>
@@ -6056,14 +6050,14 @@
             <a:r>
               <a:rPr lang="en-GB" sz="1800" dirty="0">
                 <a:solidFill>
-                  <a:schemeClr val="tx1"/>
+                  <a:schemeClr val="accent2"/>
                 </a:solidFill>
               </a:rPr>
               <a:t>CHALLENGE TIME!</a:t>
             </a:r>
             <a:endParaRPr lang="en-GB" dirty="0">
               <a:solidFill>
-                <a:schemeClr val="tx1"/>
+                <a:schemeClr val="accent2"/>
               </a:solidFill>
             </a:endParaRPr>
           </a:p>
@@ -6794,16 +6788,12 @@
           <a:lstStyle/>
           <a:p>
             <a:r>
-              <a:rPr lang="en-US" sz="4400" kern="1200" dirty="0"/>
-              <a:t>Step 4 </a:t>
-            </a:r>
-            <a:r>
               <a:rPr lang="en-US" sz="4400" kern="1200" dirty="0">
                 <a:solidFill>
-                  <a:schemeClr val="tx1"/>
+                  <a:schemeClr val="accent2"/>
                 </a:solidFill>
               </a:rPr>
-              <a:t> </a:t>
+              <a:t>Step 4  </a:t>
             </a:r>
             <a:r>
               <a:rPr lang="en-GB" sz="4400" dirty="0">
@@ -7434,7 +7424,7 @@
 <file path=ppt/theme/theme1.xml><?xml version="1.0" encoding="utf-8"?>
 <a:theme xmlns:a="http://schemas.openxmlformats.org/drawingml/2006/main" name="Office Theme">
   <a:themeElements>
-    <a:clrScheme name="Office">
+    <a:clrScheme name="Red Orange">
       <a:dk1>
         <a:sysClr val="windowText" lastClr="000000"/>
       </a:dk1>
@@ -7442,34 +7432,34 @@
         <a:sysClr val="window" lastClr="FFFFFF"/>
       </a:lt1>
       <a:dk2>
-        <a:srgbClr val="44546A"/>
+        <a:srgbClr val="505046"/>
       </a:dk2>
       <a:lt2>
-        <a:srgbClr val="E7E6E6"/>
+        <a:srgbClr val="EEECE1"/>
       </a:lt2>
       <a:accent1>
-        <a:srgbClr val="5B9BD5"/>
+        <a:srgbClr val="E84C22"/>
       </a:accent1>
       <a:accent2>
-        <a:srgbClr val="ED7D31"/>
+        <a:srgbClr val="FFBD47"/>
       </a:accent2>
       <a:accent3>
-        <a:srgbClr val="A5A5A5"/>
+        <a:srgbClr val="B64926"/>
       </a:accent3>
       <a:accent4>
-        <a:srgbClr val="FFC000"/>
+        <a:srgbClr val="FF8427"/>
       </a:accent4>
       <a:accent5>
-        <a:srgbClr val="4472C4"/>
+        <a:srgbClr val="CC9900"/>
       </a:accent5>
       <a:accent6>
-        <a:srgbClr val="70AD47"/>
+        <a:srgbClr val="B22600"/>
       </a:accent6>
       <a:hlink>
-        <a:srgbClr val="0563C1"/>
+        <a:srgbClr val="CC9900"/>
       </a:hlink>
       <a:folHlink>
-        <a:srgbClr val="954F72"/>
+        <a:srgbClr val="666699"/>
       </a:folHlink>
     </a:clrScheme>
     <a:fontScheme name="Office">
